--- a/Docs/Hrochokobry.pptx
+++ b/Docs/Hrochokobry.pptx
@@ -5,7 +5,7 @@
     <p:sldMasterId id="2147483768" r:id="rId1"/>
   </p:sldMasterIdLst>
   <p:notesMasterIdLst>
-    <p:notesMasterId r:id="rId7"/>
+    <p:notesMasterId r:id="rId11"/>
   </p:notesMasterIdLst>
   <p:sldIdLst>
     <p:sldId id="257" r:id="rId2"/>
@@ -13,6 +13,10 @@
     <p:sldId id="259" r:id="rId4"/>
     <p:sldId id="260" r:id="rId5"/>
     <p:sldId id="261" r:id="rId6"/>
+    <p:sldId id="262" r:id="rId7"/>
+    <p:sldId id="265" r:id="rId8"/>
+    <p:sldId id="264" r:id="rId9"/>
+    <p:sldId id="266" r:id="rId10"/>
   </p:sldIdLst>
   <p:sldSz cx="12192000" cy="6858000"/>
   <p:notesSz cx="6858000" cy="9144000"/>
@@ -111,6 +115,11 @@
       </a:defRPr>
     </a:lvl9pPr>
   </p:defaultTextStyle>
+  <p:extLst>
+    <p:ext uri="{EFAFB233-063F-42B5-8137-9DF3F51BA10A}">
+      <p15:sldGuideLst xmlns:p15="http://schemas.microsoft.com/office/powerpoint/2012/main"/>
+    </p:ext>
+  </p:extLst>
 </p:presentation>
 </file>
 
@@ -196,7 +205,7 @@
           <a:p>
             <a:fld id="{465809FB-9836-41FC-86CA-E128AADE1749}" type="datetimeFigureOut">
               <a:rPr lang="en-US" smtClean="0"/>
-              <a:t>12/7/2014</a:t>
+              <a:t>12/8/2014</a:t>
             </a:fld>
             <a:endParaRPr lang="en-US"/>
           </a:p>
@@ -733,7 +742,7 @@
           <a:p>
             <a:fld id="{751798D1-2F16-4F2A-93CD-C9B952D64F84}" type="datetime1">
               <a:rPr lang="en-US" smtClean="0"/>
-              <a:t>12/7/2014</a:t>
+              <a:t>12/8/2014</a:t>
             </a:fld>
             <a:endParaRPr lang="en-US"/>
           </a:p>
@@ -1035,7 +1044,7 @@
           <a:p>
             <a:fld id="{D3951B02-1415-498B-825E-B38F0F2BE9ED}" type="datetime1">
               <a:rPr lang="en-US" smtClean="0"/>
-              <a:t>12/7/2014</a:t>
+              <a:t>12/8/2014</a:t>
             </a:fld>
             <a:endParaRPr lang="en-US"/>
           </a:p>
@@ -1231,7 +1240,7 @@
           <a:p>
             <a:fld id="{56C0E2FD-BF45-42BA-851C-F0E3BB45AFC1}" type="datetime1">
               <a:rPr lang="en-US" smtClean="0"/>
-              <a:t>12/7/2014</a:t>
+              <a:t>12/8/2014</a:t>
             </a:fld>
             <a:endParaRPr lang="en-US"/>
           </a:p>
@@ -1496,7 +1505,7 @@
           <a:p>
             <a:fld id="{E047A5F3-DE13-49A4-AA26-C214DB8B4A57}" type="datetime1">
               <a:rPr lang="en-US" smtClean="0"/>
-              <a:t>12/7/2014</a:t>
+              <a:t>12/8/2014</a:t>
             </a:fld>
             <a:endParaRPr lang="en-US"/>
           </a:p>
@@ -1924,7 +1933,7 @@
           <a:p>
             <a:fld id="{1CB70C52-906B-4FFF-B7D5-6D9644B4CAAF}" type="datetime1">
               <a:rPr lang="en-US" smtClean="0"/>
-              <a:t>12/7/2014</a:t>
+              <a:t>12/8/2014</a:t>
             </a:fld>
             <a:endParaRPr lang="en-US"/>
           </a:p>
@@ -2465,7 +2474,7 @@
           <a:p>
             <a:fld id="{DD574857-F2FA-480A-9A11-55D606765EEC}" type="datetime1">
               <a:rPr lang="en-US" smtClean="0"/>
-              <a:t>12/7/2014</a:t>
+              <a:t>12/8/2014</a:t>
             </a:fld>
             <a:endParaRPr lang="en-US"/>
           </a:p>
@@ -3333,7 +3342,7 @@
           <a:p>
             <a:fld id="{9A90128A-F795-4633-BE7B-B91C83D17B34}" type="datetime1">
               <a:rPr lang="en-US" smtClean="0"/>
-              <a:t>12/7/2014</a:t>
+              <a:t>12/8/2014</a:t>
             </a:fld>
             <a:endParaRPr lang="en-US"/>
           </a:p>
@@ -3507,7 +3516,7 @@
           <a:p>
             <a:fld id="{5160AA31-2DA0-42B1-82BC-9FEEB56C31B1}" type="datetime1">
               <a:rPr lang="en-US" smtClean="0"/>
-              <a:t>12/7/2014</a:t>
+              <a:t>12/8/2014</a:t>
             </a:fld>
             <a:endParaRPr lang="en-US"/>
           </a:p>
@@ -3695,7 +3704,7 @@
           <a:p>
             <a:fld id="{7D34B9E1-4A15-45CE-B213-B034C0CABCAF}" type="datetime1">
               <a:rPr lang="en-US" smtClean="0"/>
-              <a:t>12/7/2014</a:t>
+              <a:t>12/8/2014</a:t>
             </a:fld>
             <a:endParaRPr lang="en-US"/>
           </a:p>
@@ -3869,7 +3878,7 @@
           <a:p>
             <a:fld id="{BC40E85F-D056-45C4-B7EB-64344F62DDA0}" type="datetime1">
               <a:rPr lang="en-US" smtClean="0"/>
-              <a:t>12/7/2014</a:t>
+              <a:t>12/8/2014</a:t>
             </a:fld>
             <a:endParaRPr lang="en-US"/>
           </a:p>
@@ -4117,7 +4126,7 @@
           <a:p>
             <a:fld id="{C0611D90-657B-41A5-925A-6C253AC76917}" type="datetime1">
               <a:rPr lang="en-US" smtClean="0"/>
-              <a:t>12/7/2014</a:t>
+              <a:t>12/8/2014</a:t>
             </a:fld>
             <a:endParaRPr lang="en-US"/>
           </a:p>
@@ -4357,7 +4366,7 @@
           <a:p>
             <a:fld id="{A767A4B7-50C2-4677-AA48-5819F36DC77C}" type="datetime1">
               <a:rPr lang="en-US" smtClean="0"/>
-              <a:t>12/7/2014</a:t>
+              <a:t>12/8/2014</a:t>
             </a:fld>
             <a:endParaRPr lang="en-US"/>
           </a:p>
@@ -4827,7 +4836,7 @@
           <a:p>
             <a:fld id="{40298AAC-6B4A-4B2D-BA62-16E931597E8A}" type="datetime1">
               <a:rPr lang="en-US" smtClean="0"/>
-              <a:t>12/7/2014</a:t>
+              <a:t>12/8/2014</a:t>
             </a:fld>
             <a:endParaRPr lang="en-US"/>
           </a:p>
@@ -4949,7 +4958,7 @@
           <a:p>
             <a:fld id="{58166FF0-6438-4FC4-8827-D228377CFAFC}" type="datetime1">
               <a:rPr lang="en-US" smtClean="0"/>
-              <a:t>12/7/2014</a:t>
+              <a:t>12/8/2014</a:t>
             </a:fld>
             <a:endParaRPr lang="en-US"/>
           </a:p>
@@ -5048,7 +5057,7 @@
           <a:p>
             <a:fld id="{D0E3E278-9CF0-49A6-93AF-8CE7947194A7}" type="datetime1">
               <a:rPr lang="en-US" smtClean="0"/>
-              <a:t>12/7/2014</a:t>
+              <a:t>12/8/2014</a:t>
             </a:fld>
             <a:endParaRPr lang="en-US"/>
           </a:p>
@@ -5307,7 +5316,7 @@
           <a:p>
             <a:fld id="{20A01AAC-091F-49DB-B5A3-DDC537F2ECCE}" type="datetime1">
               <a:rPr lang="en-US" smtClean="0"/>
-              <a:t>12/7/2014</a:t>
+              <a:t>12/8/2014</a:t>
             </a:fld>
             <a:endParaRPr lang="en-US"/>
           </a:p>
@@ -5611,7 +5620,7 @@
           <a:p>
             <a:fld id="{2BD218E3-F1B1-4C7E-9016-DDB7C7DD192E}" type="datetime1">
               <a:rPr lang="en-US" smtClean="0"/>
-              <a:t>12/7/2014</a:t>
+              <a:t>12/8/2014</a:t>
             </a:fld>
             <a:endParaRPr lang="en-US"/>
           </a:p>
@@ -5849,7 +5858,7 @@
           <a:p>
             <a:fld id="{8AEE6CC1-383A-458F-BCB3-89511E9BB751}" type="datetime1">
               <a:rPr lang="en-US" smtClean="0"/>
-              <a:t>12/7/2014</a:t>
+              <a:t>12/8/2014</a:t>
             </a:fld>
             <a:endParaRPr lang="en-US"/>
           </a:p>
@@ -7015,8 +7024,8 @@
               <a:t>Static </a:t>
             </a:r>
             <a:r>
-              <a:rPr lang="cs-CZ" dirty="0" err="1" smtClean="0"/>
-              <a:t>analize</a:t>
+              <a:rPr lang="cs-CZ" dirty="0"/>
+              <a:t>analysis</a:t>
             </a:r>
             <a:endParaRPr lang="en-US" dirty="0"/>
           </a:p>
@@ -7607,7 +7616,25 @@
               <a:rPr lang="en-US" dirty="0">
                 <a:effectLst/>
               </a:rPr>
-              <a:t>When encryption and decryption does not recalculate (running on the same fiber), and there is a significant slowdown encryption and decryption operations. In addition, two tables are needed for encryption and decryption which is not so communication will not work</a:t>
+              <a:t>When encryption and decryption does not recalculate (running on the same </a:t>
+            </a:r>
+            <a:r>
+              <a:rPr lang="cs-CZ" dirty="0" smtClean="0">
+                <a:effectLst/>
+              </a:rPr>
+              <a:t>thread</a:t>
+            </a:r>
+            <a:r>
+              <a:rPr lang="en-US" dirty="0" smtClean="0">
+                <a:effectLst/>
+              </a:rPr>
+              <a:t>), </a:t>
+            </a:r>
+            <a:r>
+              <a:rPr lang="en-US" dirty="0">
+                <a:effectLst/>
+              </a:rPr>
+              <a:t>and there is a significant slowdown encryption and decryption operations. In addition, two tables are needed for encryption and decryption which is not so communication will not work</a:t>
             </a:r>
             <a:r>
               <a:rPr lang="en-US" dirty="0" smtClean="0">
@@ -7733,6 +7760,565 @@
     <p:extLst>
       <p:ext uri="{BB962C8B-B14F-4D97-AF65-F5344CB8AC3E}">
         <p14:creationId xmlns:p14="http://schemas.microsoft.com/office/powerpoint/2010/main" val="4236018364"/>
+      </p:ext>
+    </p:extLst>
+  </p:cSld>
+  <p:clrMapOvr>
+    <a:masterClrMapping/>
+  </p:clrMapOvr>
+</p:sld>
+</file>
+
+<file path=ppt/slides/slide6.xml><?xml version="1.0" encoding="utf-8"?>
+<p:sld xmlns:a="http://schemas.openxmlformats.org/drawingml/2006/main" xmlns:r="http://schemas.openxmlformats.org/officeDocument/2006/relationships" xmlns:p="http://schemas.openxmlformats.org/presentationml/2006/main">
+  <p:cSld>
+    <p:spTree>
+      <p:nvGrpSpPr>
+        <p:cNvPr id="1" name=""/>
+        <p:cNvGrpSpPr/>
+        <p:nvPr/>
+      </p:nvGrpSpPr>
+      <p:grpSpPr>
+        <a:xfrm>
+          <a:off x="0" y="0"/>
+          <a:ext cx="0" cy="0"/>
+          <a:chOff x="0" y="0"/>
+          <a:chExt cx="0" cy="0"/>
+        </a:xfrm>
+      </p:grpSpPr>
+      <p:sp>
+        <p:nvSpPr>
+          <p:cNvPr id="2" name="Title 1"/>
+          <p:cNvSpPr>
+            <a:spLocks noGrp="1"/>
+          </p:cNvSpPr>
+          <p:nvPr>
+            <p:ph type="title"/>
+          </p:nvPr>
+        </p:nvSpPr>
+        <p:spPr/>
+        <p:txBody>
+          <a:bodyPr/>
+          <a:lstStyle/>
+          <a:p>
+            <a:r>
+              <a:rPr lang="cs-CZ" dirty="0" smtClean="0"/>
+              <a:t>Sapiens</a:t>
+            </a:r>
+            <a:endParaRPr lang="cs-CZ" dirty="0"/>
+          </a:p>
+        </p:txBody>
+      </p:sp>
+      <p:sp>
+        <p:nvSpPr>
+          <p:cNvPr id="3" name="Content Placeholder 2"/>
+          <p:cNvSpPr>
+            <a:spLocks noGrp="1"/>
+          </p:cNvSpPr>
+          <p:nvPr>
+            <p:ph idx="1"/>
+          </p:nvPr>
+        </p:nvSpPr>
+        <p:spPr/>
+        <p:txBody>
+          <a:bodyPr>
+            <a:normAutofit/>
+          </a:bodyPr>
+          <a:lstStyle/>
+          <a:p>
+            <a:r>
+              <a:rPr lang="cs-CZ" dirty="0"/>
+              <a:t>Working:</a:t>
+            </a:r>
+          </a:p>
+          <a:p>
+            <a:pPr lvl="1"/>
+            <a:r>
+              <a:rPr lang="cs-CZ" dirty="0" smtClean="0"/>
+              <a:t>Login</a:t>
+            </a:r>
+          </a:p>
+          <a:p>
+            <a:pPr lvl="1"/>
+            <a:r>
+              <a:rPr lang="cs-CZ" dirty="0"/>
+              <a:t>Exchange and generating symetric key</a:t>
+            </a:r>
+          </a:p>
+          <a:p>
+            <a:pPr lvl="1"/>
+            <a:r>
+              <a:rPr lang="cs-CZ" dirty="0" smtClean="0"/>
+              <a:t>-Exchange </a:t>
+            </a:r>
+            <a:r>
+              <a:rPr lang="cs-CZ" dirty="0"/>
+              <a:t>data client to </a:t>
+            </a:r>
+            <a:r>
+              <a:rPr lang="cs-CZ" dirty="0" smtClean="0"/>
+              <a:t>client</a:t>
+            </a:r>
+          </a:p>
+          <a:p>
+            <a:pPr lvl="1"/>
+            <a:r>
+              <a:rPr lang="cs-CZ" dirty="0"/>
+              <a:t>Encryption, intergrity, -&gt; Secure </a:t>
+            </a:r>
+            <a:r>
+              <a:rPr lang="cs-CZ" dirty="0" smtClean="0"/>
+              <a:t>comunication</a:t>
+            </a:r>
+            <a:endParaRPr lang="cs-CZ" dirty="0"/>
+          </a:p>
+          <a:p>
+            <a:r>
+              <a:rPr lang="cs-CZ" dirty="0"/>
+              <a:t>½ Working:</a:t>
+            </a:r>
+          </a:p>
+          <a:p>
+            <a:pPr lvl="1"/>
+            <a:r>
+              <a:rPr lang="cs-CZ" dirty="0" smtClean="0"/>
+              <a:t>Register, Get </a:t>
+            </a:r>
+            <a:r>
+              <a:rPr lang="cs-CZ" dirty="0"/>
+              <a:t>online </a:t>
+            </a:r>
+            <a:r>
+              <a:rPr lang="cs-CZ" dirty="0" smtClean="0"/>
+              <a:t>list</a:t>
+            </a:r>
+          </a:p>
+          <a:p>
+            <a:pPr lvl="1"/>
+            <a:r>
+              <a:rPr lang="cs-CZ" dirty="0" smtClean="0"/>
+              <a:t>Not working on Windows</a:t>
+            </a:r>
+            <a:endParaRPr lang="cs-CZ" dirty="0"/>
+          </a:p>
+        </p:txBody>
+      </p:sp>
+      <p:sp>
+        <p:nvSpPr>
+          <p:cNvPr id="4" name="Footer Placeholder 3"/>
+          <p:cNvSpPr>
+            <a:spLocks noGrp="1"/>
+          </p:cNvSpPr>
+          <p:nvPr>
+            <p:ph type="ftr" sz="quarter" idx="11"/>
+          </p:nvPr>
+        </p:nvSpPr>
+        <p:spPr/>
+        <p:txBody>
+          <a:bodyPr/>
+          <a:lstStyle/>
+          <a:p>
+            <a:r>
+              <a:rPr lang="cs-CZ" dirty="0"/>
+              <a:t>Sapiens</a:t>
+            </a:r>
+            <a:endParaRPr lang="en-US" dirty="0"/>
+          </a:p>
+        </p:txBody>
+      </p:sp>
+    </p:spTree>
+    <p:extLst>
+      <p:ext uri="{BB962C8B-B14F-4D97-AF65-F5344CB8AC3E}">
+        <p14:creationId xmlns:p14="http://schemas.microsoft.com/office/powerpoint/2010/main" val="3633049763"/>
+      </p:ext>
+    </p:extLst>
+  </p:cSld>
+  <p:clrMapOvr>
+    <a:masterClrMapping/>
+  </p:clrMapOvr>
+</p:sld>
+</file>
+
+<file path=ppt/slides/slide7.xml><?xml version="1.0" encoding="utf-8"?>
+<p:sld xmlns:a="http://schemas.openxmlformats.org/drawingml/2006/main" xmlns:r="http://schemas.openxmlformats.org/officeDocument/2006/relationships" xmlns:p="http://schemas.openxmlformats.org/presentationml/2006/main">
+  <p:cSld>
+    <p:spTree>
+      <p:nvGrpSpPr>
+        <p:cNvPr id="1" name=""/>
+        <p:cNvGrpSpPr/>
+        <p:nvPr/>
+      </p:nvGrpSpPr>
+      <p:grpSpPr>
+        <a:xfrm>
+          <a:off x="0" y="0"/>
+          <a:ext cx="0" cy="0"/>
+          <a:chOff x="0" y="0"/>
+          <a:chExt cx="0" cy="0"/>
+        </a:xfrm>
+      </p:grpSpPr>
+      <p:sp>
+        <p:nvSpPr>
+          <p:cNvPr id="2" name="Title 1"/>
+          <p:cNvSpPr>
+            <a:spLocks noGrp="1"/>
+          </p:cNvSpPr>
+          <p:nvPr>
+            <p:ph type="title"/>
+          </p:nvPr>
+        </p:nvSpPr>
+        <p:spPr/>
+        <p:txBody>
+          <a:bodyPr/>
+          <a:lstStyle/>
+          <a:p>
+            <a:r>
+              <a:rPr lang="cs-CZ" dirty="0"/>
+              <a:t>Not responding and crashes</a:t>
+            </a:r>
+          </a:p>
+        </p:txBody>
+      </p:sp>
+      <p:sp>
+        <p:nvSpPr>
+          <p:cNvPr id="3" name="Content Placeholder 2"/>
+          <p:cNvSpPr>
+            <a:spLocks noGrp="1"/>
+          </p:cNvSpPr>
+          <p:nvPr>
+            <p:ph idx="1"/>
+          </p:nvPr>
+        </p:nvSpPr>
+        <p:spPr/>
+        <p:txBody>
+          <a:bodyPr/>
+          <a:lstStyle/>
+          <a:p>
+            <a:r>
+              <a:rPr lang="cs-CZ" dirty="0" smtClean="0"/>
+              <a:t>Close client SIGSEG.</a:t>
+            </a:r>
+          </a:p>
+          <a:p>
+            <a:r>
+              <a:rPr lang="cs-CZ" dirty="0" smtClean="0"/>
+              <a:t>Close client crashed itself and server. </a:t>
+            </a:r>
+          </a:p>
+          <a:p>
+            <a:r>
+              <a:rPr lang="cs-CZ" dirty="0" smtClean="0"/>
+              <a:t>Client login crash server.</a:t>
+            </a:r>
+          </a:p>
+          <a:p>
+            <a:r>
+              <a:rPr lang="cs-CZ" dirty="0" smtClean="0"/>
+              <a:t>When server crash, UI cycling.</a:t>
+            </a:r>
+          </a:p>
+          <a:p>
+            <a:endParaRPr lang="cs-CZ" dirty="0" smtClean="0"/>
+          </a:p>
+          <a:p>
+            <a:endParaRPr lang="cs-CZ" dirty="0" smtClean="0"/>
+          </a:p>
+          <a:p>
+            <a:endParaRPr lang="cs-CZ" dirty="0"/>
+          </a:p>
+        </p:txBody>
+      </p:sp>
+      <p:sp>
+        <p:nvSpPr>
+          <p:cNvPr id="4" name="Footer Placeholder 3"/>
+          <p:cNvSpPr>
+            <a:spLocks noGrp="1"/>
+          </p:cNvSpPr>
+          <p:nvPr>
+            <p:ph type="ftr" sz="quarter" idx="11"/>
+          </p:nvPr>
+        </p:nvSpPr>
+        <p:spPr/>
+        <p:txBody>
+          <a:bodyPr/>
+          <a:lstStyle/>
+          <a:p>
+            <a:r>
+              <a:rPr lang="cs-CZ" dirty="0"/>
+              <a:t>Sapiens</a:t>
+            </a:r>
+            <a:endParaRPr lang="en-US" dirty="0"/>
+          </a:p>
+        </p:txBody>
+      </p:sp>
+    </p:spTree>
+    <p:extLst>
+      <p:ext uri="{BB962C8B-B14F-4D97-AF65-F5344CB8AC3E}">
+        <p14:creationId xmlns:p14="http://schemas.microsoft.com/office/powerpoint/2010/main" val="4205682463"/>
+      </p:ext>
+    </p:extLst>
+  </p:cSld>
+  <p:clrMapOvr>
+    <a:masterClrMapping/>
+  </p:clrMapOvr>
+</p:sld>
+</file>
+
+<file path=ppt/slides/slide8.xml><?xml version="1.0" encoding="utf-8"?>
+<p:sld xmlns:a="http://schemas.openxmlformats.org/drawingml/2006/main" xmlns:r="http://schemas.openxmlformats.org/officeDocument/2006/relationships" xmlns:p="http://schemas.openxmlformats.org/presentationml/2006/main">
+  <p:cSld>
+    <p:spTree>
+      <p:nvGrpSpPr>
+        <p:cNvPr id="1" name=""/>
+        <p:cNvGrpSpPr/>
+        <p:nvPr/>
+      </p:nvGrpSpPr>
+      <p:grpSpPr>
+        <a:xfrm>
+          <a:off x="0" y="0"/>
+          <a:ext cx="0" cy="0"/>
+          <a:chOff x="0" y="0"/>
+          <a:chExt cx="0" cy="0"/>
+        </a:xfrm>
+      </p:grpSpPr>
+      <p:sp>
+        <p:nvSpPr>
+          <p:cNvPr id="2" name="Title 1"/>
+          <p:cNvSpPr>
+            <a:spLocks noGrp="1"/>
+          </p:cNvSpPr>
+          <p:nvPr>
+            <p:ph type="title"/>
+          </p:nvPr>
+        </p:nvSpPr>
+        <p:spPr/>
+        <p:txBody>
+          <a:bodyPr/>
+          <a:lstStyle/>
+          <a:p>
+            <a:r>
+              <a:rPr lang="cs-CZ" dirty="0"/>
+              <a:t>Static analysis</a:t>
+            </a:r>
+          </a:p>
+        </p:txBody>
+      </p:sp>
+      <p:sp>
+        <p:nvSpPr>
+          <p:cNvPr id="3" name="Content Placeholder 2"/>
+          <p:cNvSpPr>
+            <a:spLocks noGrp="1"/>
+          </p:cNvSpPr>
+          <p:nvPr>
+            <p:ph idx="1"/>
+          </p:nvPr>
+        </p:nvSpPr>
+        <p:spPr/>
+        <p:txBody>
+          <a:bodyPr/>
+          <a:lstStyle/>
+          <a:p>
+            <a:r>
+              <a:rPr lang="cs-CZ" dirty="0">
+                <a:effectLst/>
+              </a:rPr>
+              <a:t>Memory leaks</a:t>
+            </a:r>
+          </a:p>
+          <a:p>
+            <a:r>
+              <a:rPr lang="cs-CZ" dirty="0">
+                <a:effectLst/>
+              </a:rPr>
+              <a:t>C-style pointer casting</a:t>
+            </a:r>
+          </a:p>
+          <a:p>
+            <a:r>
+              <a:rPr lang="cs-CZ" dirty="0">
+                <a:effectLst/>
+              </a:rPr>
+              <a:t>Not initializing in the constructor.</a:t>
+            </a:r>
+          </a:p>
+          <a:p>
+            <a:r>
+              <a:rPr lang="cs-CZ" dirty="0" smtClean="0"/>
+              <a:t>Printf %d unsigned int</a:t>
+            </a:r>
+            <a:endParaRPr lang="cs-CZ" dirty="0"/>
+          </a:p>
+        </p:txBody>
+      </p:sp>
+      <p:sp>
+        <p:nvSpPr>
+          <p:cNvPr id="4" name="Footer Placeholder 3"/>
+          <p:cNvSpPr>
+            <a:spLocks noGrp="1"/>
+          </p:cNvSpPr>
+          <p:nvPr>
+            <p:ph type="ftr" sz="quarter" idx="11"/>
+          </p:nvPr>
+        </p:nvSpPr>
+        <p:spPr/>
+        <p:txBody>
+          <a:bodyPr/>
+          <a:lstStyle/>
+          <a:p>
+            <a:r>
+              <a:rPr lang="cs-CZ" dirty="0"/>
+              <a:t>Sapiens</a:t>
+            </a:r>
+            <a:endParaRPr lang="en-US" dirty="0"/>
+          </a:p>
+        </p:txBody>
+      </p:sp>
+    </p:spTree>
+    <p:extLst>
+      <p:ext uri="{BB962C8B-B14F-4D97-AF65-F5344CB8AC3E}">
+        <p14:creationId xmlns:p14="http://schemas.microsoft.com/office/powerpoint/2010/main" val="2689056221"/>
+      </p:ext>
+    </p:extLst>
+  </p:cSld>
+  <p:clrMapOvr>
+    <a:masterClrMapping/>
+  </p:clrMapOvr>
+</p:sld>
+</file>
+
+<file path=ppt/slides/slide9.xml><?xml version="1.0" encoding="utf-8"?>
+<p:sld xmlns:a="http://schemas.openxmlformats.org/drawingml/2006/main" xmlns:r="http://schemas.openxmlformats.org/officeDocument/2006/relationships" xmlns:p="http://schemas.openxmlformats.org/presentationml/2006/main">
+  <p:cSld>
+    <p:spTree>
+      <p:nvGrpSpPr>
+        <p:cNvPr id="1" name=""/>
+        <p:cNvGrpSpPr/>
+        <p:nvPr/>
+      </p:nvGrpSpPr>
+      <p:grpSpPr>
+        <a:xfrm>
+          <a:off x="0" y="0"/>
+          <a:ext cx="0" cy="0"/>
+          <a:chOff x="0" y="0"/>
+          <a:chExt cx="0" cy="0"/>
+        </a:xfrm>
+      </p:grpSpPr>
+      <p:sp>
+        <p:nvSpPr>
+          <p:cNvPr id="2" name="Title 1"/>
+          <p:cNvSpPr>
+            <a:spLocks noGrp="1"/>
+          </p:cNvSpPr>
+          <p:nvPr>
+            <p:ph type="title"/>
+          </p:nvPr>
+        </p:nvSpPr>
+        <p:spPr/>
+        <p:txBody>
+          <a:bodyPr/>
+          <a:lstStyle/>
+          <a:p>
+            <a:r>
+              <a:rPr lang="cs-CZ" dirty="0"/>
+              <a:t>Analysis results</a:t>
+            </a:r>
+          </a:p>
+        </p:txBody>
+      </p:sp>
+      <p:sp>
+        <p:nvSpPr>
+          <p:cNvPr id="3" name="Content Placeholder 2"/>
+          <p:cNvSpPr>
+            <a:spLocks noGrp="1"/>
+          </p:cNvSpPr>
+          <p:nvPr>
+            <p:ph idx="1"/>
+          </p:nvPr>
+        </p:nvSpPr>
+        <p:spPr/>
+        <p:txBody>
+          <a:bodyPr/>
+          <a:lstStyle/>
+          <a:p>
+            <a:r>
+              <a:rPr lang="en-US" dirty="0"/>
+              <a:t>Checking out a client after lost connection:</a:t>
+            </a:r>
+            <a:endParaRPr lang="cs-CZ" dirty="0"/>
+          </a:p>
+          <a:p>
+            <a:pPr lvl="1"/>
+            <a:r>
+              <a:rPr lang="cs-CZ" dirty="0" smtClean="0"/>
+              <a:t>Client list doesnt update when client crash.</a:t>
+            </a:r>
+            <a:endParaRPr lang="cs-CZ" dirty="0"/>
+          </a:p>
+          <a:p>
+            <a:r>
+              <a:rPr lang="cs-CZ" dirty="0"/>
+              <a:t>Encrypting and </a:t>
+            </a:r>
+            <a:r>
+              <a:rPr lang="cs-CZ" dirty="0" smtClean="0"/>
+              <a:t>Decrypting</a:t>
+            </a:r>
+          </a:p>
+          <a:p>
+            <a:pPr lvl="1"/>
+            <a:r>
+              <a:rPr lang="cs-CZ" dirty="0" smtClean="0">
+                <a:effectLst/>
+              </a:rPr>
+              <a:t>Running on same thread.</a:t>
+            </a:r>
+            <a:endParaRPr lang="en-US" dirty="0">
+              <a:effectLst/>
+            </a:endParaRPr>
+          </a:p>
+          <a:p>
+            <a:r>
+              <a:rPr lang="cs-CZ" dirty="0" smtClean="0"/>
+              <a:t>OpenSSL</a:t>
+            </a:r>
+          </a:p>
+          <a:p>
+            <a:r>
+              <a:rPr lang="cs-CZ" dirty="0" smtClean="0"/>
+              <a:t>Key erase when application crash</a:t>
+            </a:r>
+          </a:p>
+          <a:p>
+            <a:endParaRPr lang="cs-CZ" dirty="0"/>
+          </a:p>
+        </p:txBody>
+      </p:sp>
+      <p:sp>
+        <p:nvSpPr>
+          <p:cNvPr id="4" name="Footer Placeholder 3"/>
+          <p:cNvSpPr>
+            <a:spLocks noGrp="1"/>
+          </p:cNvSpPr>
+          <p:nvPr>
+            <p:ph type="ftr" sz="quarter" idx="11"/>
+          </p:nvPr>
+        </p:nvSpPr>
+        <p:spPr/>
+        <p:txBody>
+          <a:bodyPr/>
+          <a:lstStyle/>
+          <a:p>
+            <a:r>
+              <a:rPr lang="cs-CZ" dirty="0"/>
+              <a:t>Sapiens</a:t>
+            </a:r>
+            <a:endParaRPr lang="en-US" dirty="0"/>
+          </a:p>
+        </p:txBody>
+      </p:sp>
+    </p:spTree>
+    <p:extLst>
+      <p:ext uri="{BB962C8B-B14F-4D97-AF65-F5344CB8AC3E}">
+        <p14:creationId xmlns:p14="http://schemas.microsoft.com/office/powerpoint/2010/main" val="1498403339"/>
       </p:ext>
     </p:extLst>
   </p:cSld>
